--- a/Share/2. 기획 스크립트/[태환] 1. 인게임 몬스터 소환.pptx
+++ b/Share/2. 기획 스크립트/[태환] 1. 인게임 몬스터 소환.pptx
@@ -27,8 +27,9 @@
     <p:sldId id="277" r:id="rId21"/>
     <p:sldId id="275" r:id="rId22"/>
     <p:sldId id="278" r:id="rId23"/>
-    <p:sldId id="279" r:id="rId24"/>
-    <p:sldId id="280" r:id="rId25"/>
+    <p:sldId id="281" r:id="rId24"/>
+    <p:sldId id="279" r:id="rId25"/>
+    <p:sldId id="280" r:id="rId26"/>
   </p:sldIdLst>
   <p:sldSz cx="12192000" cy="6858000"/>
   <p:notesSz cx="6858000" cy="9144000"/>
@@ -282,7 +283,7 @@
           <a:p>
             <a:fld id="{8F1B4663-333D-49F0-AE30-EF1DADFC541D}" type="datetimeFigureOut">
               <a:rPr lang="ko-KR" altLang="en-US" smtClean="0"/>
-              <a:t>2025-03-08</a:t>
+              <a:t>2025-03-09</a:t>
             </a:fld>
             <a:endParaRPr lang="ko-KR" altLang="en-US" dirty="0"/>
           </a:p>
@@ -480,7 +481,7 @@
           <a:p>
             <a:fld id="{8F1B4663-333D-49F0-AE30-EF1DADFC541D}" type="datetimeFigureOut">
               <a:rPr lang="ko-KR" altLang="en-US" smtClean="0"/>
-              <a:t>2025-03-08</a:t>
+              <a:t>2025-03-09</a:t>
             </a:fld>
             <a:endParaRPr lang="ko-KR" altLang="en-US" dirty="0"/>
           </a:p>
@@ -688,7 +689,7 @@
           <a:p>
             <a:fld id="{8F1B4663-333D-49F0-AE30-EF1DADFC541D}" type="datetimeFigureOut">
               <a:rPr lang="ko-KR" altLang="en-US" smtClean="0"/>
-              <a:t>2025-03-08</a:t>
+              <a:t>2025-03-09</a:t>
             </a:fld>
             <a:endParaRPr lang="ko-KR" altLang="en-US" dirty="0"/>
           </a:p>
@@ -886,7 +887,7 @@
           <a:p>
             <a:fld id="{8F1B4663-333D-49F0-AE30-EF1DADFC541D}" type="datetimeFigureOut">
               <a:rPr lang="ko-KR" altLang="en-US" smtClean="0"/>
-              <a:t>2025-03-08</a:t>
+              <a:t>2025-03-09</a:t>
             </a:fld>
             <a:endParaRPr lang="ko-KR" altLang="en-US" dirty="0"/>
           </a:p>
@@ -1161,7 +1162,7 @@
           <a:p>
             <a:fld id="{8F1B4663-333D-49F0-AE30-EF1DADFC541D}" type="datetimeFigureOut">
               <a:rPr lang="ko-KR" altLang="en-US" smtClean="0"/>
-              <a:t>2025-03-08</a:t>
+              <a:t>2025-03-09</a:t>
             </a:fld>
             <a:endParaRPr lang="ko-KR" altLang="en-US" dirty="0"/>
           </a:p>
@@ -1426,7 +1427,7 @@
           <a:p>
             <a:fld id="{8F1B4663-333D-49F0-AE30-EF1DADFC541D}" type="datetimeFigureOut">
               <a:rPr lang="ko-KR" altLang="en-US" smtClean="0"/>
-              <a:t>2025-03-08</a:t>
+              <a:t>2025-03-09</a:t>
             </a:fld>
             <a:endParaRPr lang="ko-KR" altLang="en-US" dirty="0"/>
           </a:p>
@@ -1838,7 +1839,7 @@
           <a:p>
             <a:fld id="{8F1B4663-333D-49F0-AE30-EF1DADFC541D}" type="datetimeFigureOut">
               <a:rPr lang="ko-KR" altLang="en-US" smtClean="0"/>
-              <a:t>2025-03-08</a:t>
+              <a:t>2025-03-09</a:t>
             </a:fld>
             <a:endParaRPr lang="ko-KR" altLang="en-US" dirty="0"/>
           </a:p>
@@ -1979,7 +1980,7 @@
           <a:p>
             <a:fld id="{8F1B4663-333D-49F0-AE30-EF1DADFC541D}" type="datetimeFigureOut">
               <a:rPr lang="ko-KR" altLang="en-US" smtClean="0"/>
-              <a:t>2025-03-08</a:t>
+              <a:t>2025-03-09</a:t>
             </a:fld>
             <a:endParaRPr lang="ko-KR" altLang="en-US" dirty="0"/>
           </a:p>
@@ -2092,7 +2093,7 @@
           <a:p>
             <a:fld id="{8F1B4663-333D-49F0-AE30-EF1DADFC541D}" type="datetimeFigureOut">
               <a:rPr lang="ko-KR" altLang="en-US" smtClean="0"/>
-              <a:t>2025-03-08</a:t>
+              <a:t>2025-03-09</a:t>
             </a:fld>
             <a:endParaRPr lang="ko-KR" altLang="en-US" dirty="0"/>
           </a:p>
@@ -2403,7 +2404,7 @@
           <a:p>
             <a:fld id="{8F1B4663-333D-49F0-AE30-EF1DADFC541D}" type="datetimeFigureOut">
               <a:rPr lang="ko-KR" altLang="en-US" smtClean="0"/>
-              <a:t>2025-03-08</a:t>
+              <a:t>2025-03-09</a:t>
             </a:fld>
             <a:endParaRPr lang="ko-KR" altLang="en-US" dirty="0"/>
           </a:p>
@@ -2691,7 +2692,7 @@
           <a:p>
             <a:fld id="{8F1B4663-333D-49F0-AE30-EF1DADFC541D}" type="datetimeFigureOut">
               <a:rPr lang="ko-KR" altLang="en-US" smtClean="0"/>
-              <a:t>2025-03-08</a:t>
+              <a:t>2025-03-09</a:t>
             </a:fld>
             <a:endParaRPr lang="ko-KR" altLang="en-US" dirty="0"/>
           </a:p>
@@ -2932,7 +2933,7 @@
           <a:p>
             <a:fld id="{8F1B4663-333D-49F0-AE30-EF1DADFC541D}" type="datetimeFigureOut">
               <a:rPr lang="ko-KR" altLang="en-US" smtClean="0"/>
-              <a:t>2025-03-08</a:t>
+              <a:t>2025-03-09</a:t>
             </a:fld>
             <a:endParaRPr lang="ko-KR" altLang="en-US" dirty="0"/>
           </a:p>
@@ -7182,10 +7183,10 @@
       </p:grpSpPr>
       <p:pic>
         <p:nvPicPr>
-          <p:cNvPr id="5" name="그림 4">
-            <a:extLst>
-              <a:ext uri="{FF2B5EF4-FFF2-40B4-BE49-F238E27FC236}">
-                <a16:creationId xmlns:a16="http://schemas.microsoft.com/office/drawing/2014/main" id="{CDF13C26-B7F8-CED2-156E-4B03B0B99442}"/>
+          <p:cNvPr id="3" name="그림 2">
+            <a:extLst>
+              <a:ext uri="{FF2B5EF4-FFF2-40B4-BE49-F238E27FC236}">
+                <a16:creationId xmlns:a16="http://schemas.microsoft.com/office/drawing/2014/main" id="{75161578-FDEC-3D41-5533-1D109E26D824}"/>
               </a:ext>
             </a:extLst>
           </p:cNvPr>
@@ -7202,8 +7203,8 @@
         </p:blipFill>
         <p:spPr>
           <a:xfrm>
-            <a:off x="2938588" y="828460"/>
-            <a:ext cx="6314824" cy="5201079"/>
+            <a:off x="2147902" y="2955879"/>
+            <a:ext cx="3372321" cy="2362530"/>
           </a:xfrm>
           <a:prstGeom prst="rect">
             <a:avLst/>
@@ -7212,10 +7213,342 @@
       </p:pic>
       <p:sp>
         <p:nvSpPr>
+          <p:cNvPr id="7" name="내용 개체 틀 2">
+            <a:extLst>
+              <a:ext uri="{FF2B5EF4-FFF2-40B4-BE49-F238E27FC236}">
+                <a16:creationId xmlns:a16="http://schemas.microsoft.com/office/drawing/2014/main" id="{37CF482C-2FBD-56F4-1376-CFCE69FC0A28}"/>
+              </a:ext>
+            </a:extLst>
+          </p:cNvPr>
+          <p:cNvSpPr txBox="1">
+            <a:spLocks/>
+          </p:cNvSpPr>
+          <p:nvPr/>
+        </p:nvSpPr>
+        <p:spPr>
+          <a:xfrm>
+            <a:off x="838200" y="1825625"/>
+            <a:ext cx="10515600" cy="4351338"/>
+          </a:xfrm>
+          <a:prstGeom prst="rect">
+            <a:avLst/>
+          </a:prstGeom>
+        </p:spPr>
+        <p:txBody>
+          <a:bodyPr/>
+          <a:lstStyle>
+            <a:lvl1pPr marL="228600" indent="-228600" algn="l" defTabSz="914400" rtl="0" eaLnBrk="1" latinLnBrk="1" hangingPunct="1">
+              <a:lnSpc>
+                <a:spcPct val="90000"/>
+              </a:lnSpc>
+              <a:spcBef>
+                <a:spcPts val="1000"/>
+              </a:spcBef>
+              <a:buFont typeface="Arial" panose="020B0604020202020204" pitchFamily="34" charset="0"/>
+              <a:buChar char="•"/>
+              <a:defRPr sz="2800" kern="1200">
+                <a:solidFill>
+                  <a:schemeClr val="tx1"/>
+                </a:solidFill>
+                <a:latin typeface="+mn-lt"/>
+                <a:ea typeface="+mn-ea"/>
+                <a:cs typeface="+mn-cs"/>
+              </a:defRPr>
+            </a:lvl1pPr>
+            <a:lvl2pPr marL="685800" indent="-228600" algn="l" defTabSz="914400" rtl="0" eaLnBrk="1" latinLnBrk="1" hangingPunct="1">
+              <a:lnSpc>
+                <a:spcPct val="90000"/>
+              </a:lnSpc>
+              <a:spcBef>
+                <a:spcPts val="500"/>
+              </a:spcBef>
+              <a:buFont typeface="Arial" panose="020B0604020202020204" pitchFamily="34" charset="0"/>
+              <a:buChar char="•"/>
+              <a:defRPr sz="2400" kern="1200">
+                <a:solidFill>
+                  <a:schemeClr val="tx1"/>
+                </a:solidFill>
+                <a:latin typeface="+mn-lt"/>
+                <a:ea typeface="+mn-ea"/>
+                <a:cs typeface="+mn-cs"/>
+              </a:defRPr>
+            </a:lvl2pPr>
+            <a:lvl3pPr marL="1143000" indent="-228600" algn="l" defTabSz="914400" rtl="0" eaLnBrk="1" latinLnBrk="1" hangingPunct="1">
+              <a:lnSpc>
+                <a:spcPct val="90000"/>
+              </a:lnSpc>
+              <a:spcBef>
+                <a:spcPts val="500"/>
+              </a:spcBef>
+              <a:buFont typeface="Arial" panose="020B0604020202020204" pitchFamily="34" charset="0"/>
+              <a:buChar char="•"/>
+              <a:defRPr sz="2000" kern="1200">
+                <a:solidFill>
+                  <a:schemeClr val="tx1"/>
+                </a:solidFill>
+                <a:latin typeface="+mn-lt"/>
+                <a:ea typeface="+mn-ea"/>
+                <a:cs typeface="+mn-cs"/>
+              </a:defRPr>
+            </a:lvl3pPr>
+            <a:lvl4pPr marL="1600200" indent="-228600" algn="l" defTabSz="914400" rtl="0" eaLnBrk="1" latinLnBrk="1" hangingPunct="1">
+              <a:lnSpc>
+                <a:spcPct val="90000"/>
+              </a:lnSpc>
+              <a:spcBef>
+                <a:spcPts val="500"/>
+              </a:spcBef>
+              <a:buFont typeface="Arial" panose="020B0604020202020204" pitchFamily="34" charset="0"/>
+              <a:buChar char="•"/>
+              <a:defRPr sz="1800" kern="1200">
+                <a:solidFill>
+                  <a:schemeClr val="tx1"/>
+                </a:solidFill>
+                <a:latin typeface="+mn-lt"/>
+                <a:ea typeface="+mn-ea"/>
+                <a:cs typeface="+mn-cs"/>
+              </a:defRPr>
+            </a:lvl4pPr>
+            <a:lvl5pPr marL="2057400" indent="-228600" algn="l" defTabSz="914400" rtl="0" eaLnBrk="1" latinLnBrk="1" hangingPunct="1">
+              <a:lnSpc>
+                <a:spcPct val="90000"/>
+              </a:lnSpc>
+              <a:spcBef>
+                <a:spcPts val="500"/>
+              </a:spcBef>
+              <a:buFont typeface="Arial" panose="020B0604020202020204" pitchFamily="34" charset="0"/>
+              <a:buChar char="•"/>
+              <a:defRPr sz="1800" kern="1200">
+                <a:solidFill>
+                  <a:schemeClr val="tx1"/>
+                </a:solidFill>
+                <a:latin typeface="+mn-lt"/>
+                <a:ea typeface="+mn-ea"/>
+                <a:cs typeface="+mn-cs"/>
+              </a:defRPr>
+            </a:lvl5pPr>
+            <a:lvl6pPr marL="2514600" indent="-228600" algn="l" defTabSz="914400" rtl="0" eaLnBrk="1" latinLnBrk="1" hangingPunct="1">
+              <a:lnSpc>
+                <a:spcPct val="90000"/>
+              </a:lnSpc>
+              <a:spcBef>
+                <a:spcPts val="500"/>
+              </a:spcBef>
+              <a:buFont typeface="Arial" panose="020B0604020202020204" pitchFamily="34" charset="0"/>
+              <a:buChar char="•"/>
+              <a:defRPr sz="1800" kern="1200">
+                <a:solidFill>
+                  <a:schemeClr val="tx1"/>
+                </a:solidFill>
+                <a:latin typeface="+mn-lt"/>
+                <a:ea typeface="+mn-ea"/>
+                <a:cs typeface="+mn-cs"/>
+              </a:defRPr>
+            </a:lvl6pPr>
+            <a:lvl7pPr marL="2971800" indent="-228600" algn="l" defTabSz="914400" rtl="0" eaLnBrk="1" latinLnBrk="1" hangingPunct="1">
+              <a:lnSpc>
+                <a:spcPct val="90000"/>
+              </a:lnSpc>
+              <a:spcBef>
+                <a:spcPts val="500"/>
+              </a:spcBef>
+              <a:buFont typeface="Arial" panose="020B0604020202020204" pitchFamily="34" charset="0"/>
+              <a:buChar char="•"/>
+              <a:defRPr sz="1800" kern="1200">
+                <a:solidFill>
+                  <a:schemeClr val="tx1"/>
+                </a:solidFill>
+                <a:latin typeface="+mn-lt"/>
+                <a:ea typeface="+mn-ea"/>
+                <a:cs typeface="+mn-cs"/>
+              </a:defRPr>
+            </a:lvl7pPr>
+            <a:lvl8pPr marL="3429000" indent="-228600" algn="l" defTabSz="914400" rtl="0" eaLnBrk="1" latinLnBrk="1" hangingPunct="1">
+              <a:lnSpc>
+                <a:spcPct val="90000"/>
+              </a:lnSpc>
+              <a:spcBef>
+                <a:spcPts val="500"/>
+              </a:spcBef>
+              <a:buFont typeface="Arial" panose="020B0604020202020204" pitchFamily="34" charset="0"/>
+              <a:buChar char="•"/>
+              <a:defRPr sz="1800" kern="1200">
+                <a:solidFill>
+                  <a:schemeClr val="tx1"/>
+                </a:solidFill>
+                <a:latin typeface="+mn-lt"/>
+                <a:ea typeface="+mn-ea"/>
+                <a:cs typeface="+mn-cs"/>
+              </a:defRPr>
+            </a:lvl8pPr>
+            <a:lvl9pPr marL="3886200" indent="-228600" algn="l" defTabSz="914400" rtl="0" eaLnBrk="1" latinLnBrk="1" hangingPunct="1">
+              <a:lnSpc>
+                <a:spcPct val="90000"/>
+              </a:lnSpc>
+              <a:spcBef>
+                <a:spcPts val="500"/>
+              </a:spcBef>
+              <a:buFont typeface="Arial" panose="020B0604020202020204" pitchFamily="34" charset="0"/>
+              <a:buChar char="•"/>
+              <a:defRPr sz="1800" kern="1200">
+                <a:solidFill>
+                  <a:schemeClr val="tx1"/>
+                </a:solidFill>
+                <a:latin typeface="+mn-lt"/>
+                <a:ea typeface="+mn-ea"/>
+                <a:cs typeface="+mn-cs"/>
+              </a:defRPr>
+            </a:lvl9pPr>
+          </a:lstStyle>
+          <a:p>
+            <a:r>
+              <a:rPr lang="en-US" altLang="ko-KR" dirty="0" err="1"/>
+              <a:t>S_Move</a:t>
+            </a:r>
+            <a:r>
+              <a:rPr lang="en-US" altLang="ko-KR" dirty="0"/>
+              <a:t> </a:t>
+            </a:r>
+            <a:r>
+              <a:rPr lang="ko-KR" altLang="en-US" dirty="0"/>
+              <a:t>패킷도 </a:t>
+            </a:r>
+            <a:r>
+              <a:rPr lang="ko-KR" altLang="en-US" dirty="0" err="1"/>
+              <a:t>엑터</a:t>
+            </a:r>
+            <a:r>
+              <a:rPr lang="ko-KR" altLang="en-US" dirty="0"/>
+              <a:t> 타입 구별 되도록 수정</a:t>
+            </a:r>
+          </a:p>
+        </p:txBody>
+      </p:sp>
+      <p:sp>
+        <p:nvSpPr>
+          <p:cNvPr id="9" name="제목 1">
+            <a:extLst>
+              <a:ext uri="{FF2B5EF4-FFF2-40B4-BE49-F238E27FC236}">
+                <a16:creationId xmlns:a16="http://schemas.microsoft.com/office/drawing/2014/main" id="{A8AD6A59-8C22-06C1-216A-4C5B5E003D1C}"/>
+              </a:ext>
+            </a:extLst>
+          </p:cNvPr>
+          <p:cNvSpPr txBox="1">
+            <a:spLocks/>
+          </p:cNvSpPr>
+          <p:nvPr/>
+        </p:nvSpPr>
+        <p:spPr>
+          <a:xfrm>
+            <a:off x="838200" y="365125"/>
+            <a:ext cx="10515600" cy="1325563"/>
+          </a:xfrm>
+          <a:prstGeom prst="rect">
+            <a:avLst/>
+          </a:prstGeom>
+        </p:spPr>
+        <p:txBody>
+          <a:bodyPr/>
+          <a:lstStyle>
+            <a:lvl1pPr algn="l" defTabSz="914400" rtl="0" eaLnBrk="1" latinLnBrk="1" hangingPunct="1">
+              <a:lnSpc>
+                <a:spcPct val="90000"/>
+              </a:lnSpc>
+              <a:spcBef>
+                <a:spcPct val="0"/>
+              </a:spcBef>
+              <a:buNone/>
+              <a:defRPr sz="4400" kern="1200">
+                <a:solidFill>
+                  <a:schemeClr val="tx1"/>
+                </a:solidFill>
+                <a:latin typeface="+mj-lt"/>
+                <a:ea typeface="+mj-ea"/>
+                <a:cs typeface="+mj-cs"/>
+              </a:defRPr>
+            </a:lvl1pPr>
+          </a:lstStyle>
+          <a:p>
+            <a:r>
+              <a:rPr lang="ko-KR" altLang="en-US"/>
+              <a:t>몬스터 이동</a:t>
+            </a:r>
+            <a:endParaRPr lang="ko-KR" altLang="en-US" dirty="0"/>
+          </a:p>
+        </p:txBody>
+      </p:sp>
+    </p:spTree>
+    <p:extLst>
+      <p:ext uri="{BB962C8B-B14F-4D97-AF65-F5344CB8AC3E}">
+        <p14:creationId xmlns:p14="http://schemas.microsoft.com/office/powerpoint/2010/main" val="4194899264"/>
+      </p:ext>
+    </p:extLst>
+  </p:cSld>
+  <p:clrMapOvr>
+    <a:masterClrMapping/>
+  </p:clrMapOvr>
+</p:sld>
+</file>
+
+<file path=ppt/slides/slide23.xml><?xml version="1.0" encoding="utf-8"?>
+<p:sld xmlns:a="http://schemas.openxmlformats.org/drawingml/2006/main" xmlns:r="http://schemas.openxmlformats.org/officeDocument/2006/relationships" xmlns:p="http://schemas.openxmlformats.org/presentationml/2006/main">
+  <p:cSld>
+    <p:spTree>
+      <p:nvGrpSpPr>
+        <p:cNvPr id="1" name="">
+          <a:extLst>
+            <a:ext uri="{FF2B5EF4-FFF2-40B4-BE49-F238E27FC236}">
+              <a16:creationId xmlns:a16="http://schemas.microsoft.com/office/drawing/2014/main" id="{F483071D-A754-BF74-2255-DE9616B6B64C}"/>
+            </a:ext>
+          </a:extLst>
+        </p:cNvPr>
+        <p:cNvGrpSpPr/>
+        <p:nvPr/>
+      </p:nvGrpSpPr>
+      <p:grpSpPr>
+        <a:xfrm>
+          <a:off x="0" y="0"/>
+          <a:ext cx="0" cy="0"/>
+          <a:chOff x="0" y="0"/>
+          <a:chExt cx="0" cy="0"/>
+        </a:xfrm>
+      </p:grpSpPr>
+      <p:pic>
+        <p:nvPicPr>
+          <p:cNvPr id="5" name="그림 4">
+            <a:extLst>
+              <a:ext uri="{FF2B5EF4-FFF2-40B4-BE49-F238E27FC236}">
+                <a16:creationId xmlns:a16="http://schemas.microsoft.com/office/drawing/2014/main" id="{F03A4B65-7151-B82B-63C4-90914E41A86B}"/>
+              </a:ext>
+            </a:extLst>
+          </p:cNvPr>
+          <p:cNvPicPr>
+            <a:picLocks noChangeAspect="1"/>
+          </p:cNvPicPr>
+          <p:nvPr/>
+        </p:nvPicPr>
+        <p:blipFill>
+          <a:blip r:embed="rId2"/>
+          <a:stretch>
+            <a:fillRect/>
+          </a:stretch>
+        </p:blipFill>
+        <p:spPr>
+          <a:xfrm>
+            <a:off x="2938588" y="828460"/>
+            <a:ext cx="6314824" cy="5201079"/>
+          </a:xfrm>
+          <a:prstGeom prst="rect">
+            <a:avLst/>
+          </a:prstGeom>
+        </p:spPr>
+      </p:pic>
+      <p:sp>
+        <p:nvSpPr>
           <p:cNvPr id="4" name="사각형: 둥근 모서리 3">
             <a:extLst>
               <a:ext uri="{FF2B5EF4-FFF2-40B4-BE49-F238E27FC236}">
-                <a16:creationId xmlns:a16="http://schemas.microsoft.com/office/drawing/2014/main" id="{002CB436-7D58-4685-DEE9-237A4D7F83B1}"/>
+                <a16:creationId xmlns:a16="http://schemas.microsoft.com/office/drawing/2014/main" id="{DCF89765-B25D-4C23-7C7F-A81ADD764693}"/>
               </a:ext>
             </a:extLst>
           </p:cNvPr>
@@ -7265,7 +7598,7 @@
           <p:cNvPr id="6" name="사각형: 둥근 모서리 5">
             <a:extLst>
               <a:ext uri="{FF2B5EF4-FFF2-40B4-BE49-F238E27FC236}">
-                <a16:creationId xmlns:a16="http://schemas.microsoft.com/office/drawing/2014/main" id="{6BAAD939-6EEA-D672-20E9-EFCB042EA87B}"/>
+                <a16:creationId xmlns:a16="http://schemas.microsoft.com/office/drawing/2014/main" id="{A4E66B88-5B7E-F03E-2925-85C383CD9BC8}"/>
               </a:ext>
             </a:extLst>
           </p:cNvPr>
@@ -7315,7 +7648,7 @@
           <p:cNvPr id="8" name="직선 연결선 7">
             <a:extLst>
               <a:ext uri="{FF2B5EF4-FFF2-40B4-BE49-F238E27FC236}">
-                <a16:creationId xmlns:a16="http://schemas.microsoft.com/office/drawing/2014/main" id="{2AE6D95D-8A8B-FF97-D64D-EE587724D999}"/>
+                <a16:creationId xmlns:a16="http://schemas.microsoft.com/office/drawing/2014/main" id="{0F2E3ED2-E2C5-18EC-D352-EAD4EDB5C023}"/>
               </a:ext>
             </a:extLst>
           </p:cNvPr>
@@ -7354,7 +7687,7 @@
           <p:cNvPr id="10" name="직선 연결선 9">
             <a:extLst>
               <a:ext uri="{FF2B5EF4-FFF2-40B4-BE49-F238E27FC236}">
-                <a16:creationId xmlns:a16="http://schemas.microsoft.com/office/drawing/2014/main" id="{CFFF12A1-FEB2-783A-506E-E26B1E17A1B1}"/>
+                <a16:creationId xmlns:a16="http://schemas.microsoft.com/office/drawing/2014/main" id="{2BED1362-0CDD-D725-D028-C34C0F6ECA5A}"/>
               </a:ext>
             </a:extLst>
           </p:cNvPr>
@@ -7392,7 +7725,7 @@
           <p:cNvPr id="23" name="그룹 22">
             <a:extLst>
               <a:ext uri="{FF2B5EF4-FFF2-40B4-BE49-F238E27FC236}">
-                <a16:creationId xmlns:a16="http://schemas.microsoft.com/office/drawing/2014/main" id="{52DEFA7C-A9B4-61D0-6601-0314DCE39212}"/>
+                <a16:creationId xmlns:a16="http://schemas.microsoft.com/office/drawing/2014/main" id="{031727F8-B10F-5A07-9F41-88694D475EAA}"/>
               </a:ext>
             </a:extLst>
           </p:cNvPr>
@@ -7412,7 +7745,7 @@
             <p:cNvPr id="13" name="그룹 12">
               <a:extLst>
                 <a:ext uri="{FF2B5EF4-FFF2-40B4-BE49-F238E27FC236}">
-                  <a16:creationId xmlns:a16="http://schemas.microsoft.com/office/drawing/2014/main" id="{EF4F48FD-F215-23AC-00E5-4C614590DF30}"/>
+                  <a16:creationId xmlns:a16="http://schemas.microsoft.com/office/drawing/2014/main" id="{56D6215C-ADBE-A836-21B1-F4E9EF07450F}"/>
                 </a:ext>
               </a:extLst>
             </p:cNvPr>
@@ -7432,7 +7765,7 @@
               <p:cNvPr id="11" name="이등변 삼각형 10">
                 <a:extLst>
                   <a:ext uri="{FF2B5EF4-FFF2-40B4-BE49-F238E27FC236}">
-                    <a16:creationId xmlns:a16="http://schemas.microsoft.com/office/drawing/2014/main" id="{34DCE5AF-007A-106B-2F26-7A4274286259}"/>
+                    <a16:creationId xmlns:a16="http://schemas.microsoft.com/office/drawing/2014/main" id="{64932C0D-6BBD-D74C-42A1-187E9BFC5708}"/>
                   </a:ext>
                 </a:extLst>
               </p:cNvPr>
@@ -7478,7 +7811,7 @@
               <p:cNvPr id="12" name="타원 11">
                 <a:extLst>
                   <a:ext uri="{FF2B5EF4-FFF2-40B4-BE49-F238E27FC236}">
-                    <a16:creationId xmlns:a16="http://schemas.microsoft.com/office/drawing/2014/main" id="{CBE94DFA-E71C-0ED9-2F6A-E7E2DB9EB657}"/>
+                    <a16:creationId xmlns:a16="http://schemas.microsoft.com/office/drawing/2014/main" id="{E089933D-FD9C-E629-54FB-CE23103B9AA2}"/>
                   </a:ext>
                 </a:extLst>
               </p:cNvPr>
@@ -7525,7 +7858,7 @@
             <p:cNvPr id="14" name="그룹 13">
               <a:extLst>
                 <a:ext uri="{FF2B5EF4-FFF2-40B4-BE49-F238E27FC236}">
-                  <a16:creationId xmlns:a16="http://schemas.microsoft.com/office/drawing/2014/main" id="{C8A5B3AE-835E-71BE-2FDF-9BB83EED7812}"/>
+                  <a16:creationId xmlns:a16="http://schemas.microsoft.com/office/drawing/2014/main" id="{C34BBB93-09C9-25F5-67DA-59A728D24DC6}"/>
                 </a:ext>
               </a:extLst>
             </p:cNvPr>
@@ -7545,7 +7878,7 @@
               <p:cNvPr id="15" name="이등변 삼각형 14">
                 <a:extLst>
                   <a:ext uri="{FF2B5EF4-FFF2-40B4-BE49-F238E27FC236}">
-                    <a16:creationId xmlns:a16="http://schemas.microsoft.com/office/drawing/2014/main" id="{DE6C2D62-5ED3-A890-4510-5DE443F1E9B7}"/>
+                    <a16:creationId xmlns:a16="http://schemas.microsoft.com/office/drawing/2014/main" id="{2AB9B00C-DC06-590E-D12F-8494FD5E7BBB}"/>
                   </a:ext>
                 </a:extLst>
               </p:cNvPr>
@@ -7591,7 +7924,7 @@
               <p:cNvPr id="16" name="타원 15">
                 <a:extLst>
                   <a:ext uri="{FF2B5EF4-FFF2-40B4-BE49-F238E27FC236}">
-                    <a16:creationId xmlns:a16="http://schemas.microsoft.com/office/drawing/2014/main" id="{2AB4D91F-480F-895A-B546-A6B9C7109F47}"/>
+                    <a16:creationId xmlns:a16="http://schemas.microsoft.com/office/drawing/2014/main" id="{2B4E3AED-1256-99D6-0C62-6B3BFBA18B96}"/>
                   </a:ext>
                 </a:extLst>
               </p:cNvPr>
@@ -7638,7 +7971,7 @@
             <p:cNvPr id="17" name="그룹 16">
               <a:extLst>
                 <a:ext uri="{FF2B5EF4-FFF2-40B4-BE49-F238E27FC236}">
-                  <a16:creationId xmlns:a16="http://schemas.microsoft.com/office/drawing/2014/main" id="{8EF6B058-9F21-B419-7F52-CDBB9CF8CE28}"/>
+                  <a16:creationId xmlns:a16="http://schemas.microsoft.com/office/drawing/2014/main" id="{81B7D1FA-2BF6-2947-45CC-0BF7E017258A}"/>
                 </a:ext>
               </a:extLst>
             </p:cNvPr>
@@ -7658,7 +7991,7 @@
               <p:cNvPr id="18" name="이등변 삼각형 17">
                 <a:extLst>
                   <a:ext uri="{FF2B5EF4-FFF2-40B4-BE49-F238E27FC236}">
-                    <a16:creationId xmlns:a16="http://schemas.microsoft.com/office/drawing/2014/main" id="{063F93C5-E818-A03F-4B04-3110F94BE387}"/>
+                    <a16:creationId xmlns:a16="http://schemas.microsoft.com/office/drawing/2014/main" id="{F7EDF512-9E8E-57EE-0658-0165C49D58AB}"/>
                   </a:ext>
                 </a:extLst>
               </p:cNvPr>
@@ -7704,7 +8037,7 @@
               <p:cNvPr id="19" name="타원 18">
                 <a:extLst>
                   <a:ext uri="{FF2B5EF4-FFF2-40B4-BE49-F238E27FC236}">
-                    <a16:creationId xmlns:a16="http://schemas.microsoft.com/office/drawing/2014/main" id="{02023E2D-C900-DADB-C7F9-54366C1F591A}"/>
+                    <a16:creationId xmlns:a16="http://schemas.microsoft.com/office/drawing/2014/main" id="{DC0139E3-C36E-996A-6A34-C2A4757E3E5B}"/>
                   </a:ext>
                 </a:extLst>
               </p:cNvPr>
@@ -7752,7 +8085,7 @@
           <p:cNvPr id="21" name="직선 화살표 연결선 20">
             <a:extLst>
               <a:ext uri="{FF2B5EF4-FFF2-40B4-BE49-F238E27FC236}">
-                <a16:creationId xmlns:a16="http://schemas.microsoft.com/office/drawing/2014/main" id="{45DE97BB-6401-6F86-72E3-8A56B907B00B}"/>
+                <a16:creationId xmlns:a16="http://schemas.microsoft.com/office/drawing/2014/main" id="{7019C1E8-FADC-7F10-71F8-ABC04958B685}"/>
               </a:ext>
             </a:extLst>
           </p:cNvPr>
@@ -7791,7 +8124,7 @@
           <p:cNvPr id="22" name="TextBox 21">
             <a:extLst>
               <a:ext uri="{FF2B5EF4-FFF2-40B4-BE49-F238E27FC236}">
-                <a16:creationId xmlns:a16="http://schemas.microsoft.com/office/drawing/2014/main" id="{8534A253-13A2-D52C-ABD3-667C62C2E240}"/>
+                <a16:creationId xmlns:a16="http://schemas.microsoft.com/office/drawing/2014/main" id="{75AD9EE4-5E5D-BC77-DC0C-6B20F189E568}"/>
               </a:ext>
             </a:extLst>
           </p:cNvPr>
@@ -7825,7 +8158,7 @@
     </p:spTree>
     <p:extLst>
       <p:ext uri="{BB962C8B-B14F-4D97-AF65-F5344CB8AC3E}">
-        <p14:creationId xmlns:p14="http://schemas.microsoft.com/office/powerpoint/2010/main" val="4194899264"/>
+        <p14:creationId xmlns:p14="http://schemas.microsoft.com/office/powerpoint/2010/main" val="3764473530"/>
       </p:ext>
     </p:extLst>
   </p:cSld>
@@ -7835,7 +8168,7 @@
 </p:sld>
 </file>
 
-<file path=ppt/slides/slide23.xml><?xml version="1.0" encoding="utf-8"?>
+<file path=ppt/slides/slide24.xml><?xml version="1.0" encoding="utf-8"?>
 <p:sld xmlns:a="http://schemas.openxmlformats.org/drawingml/2006/main" xmlns:r="http://schemas.openxmlformats.org/officeDocument/2006/relationships" xmlns:p="http://schemas.openxmlformats.org/presentationml/2006/main">
   <p:cSld>
     <p:spTree>
@@ -8908,7 +9241,7 @@
 </p:sld>
 </file>
 
-<file path=ppt/slides/slide24.xml><?xml version="1.0" encoding="utf-8"?>
+<file path=ppt/slides/slide25.xml><?xml version="1.0" encoding="utf-8"?>
 <p:sld xmlns:a="http://schemas.openxmlformats.org/drawingml/2006/main" xmlns:r="http://schemas.openxmlformats.org/officeDocument/2006/relationships" xmlns:p="http://schemas.openxmlformats.org/presentationml/2006/main">
   <p:cSld>
     <p:spTree>
